--- a/2023.01.겨울방학.pptx
+++ b/2023.01.겨울방학.pptx
@@ -6,6 +6,9 @@
   </p:sldMasterIdLst>
   <p:sldIdLst>
     <p:sldId id="256" r:id="rId2"/>
+    <p:sldId id="257" r:id="rId3"/>
+    <p:sldId id="258" r:id="rId4"/>
+    <p:sldId id="259" r:id="rId5"/>
   </p:sldIdLst>
   <p:sldSz cx="12192000" cy="6858000"/>
   <p:notesSz cx="6858000" cy="9144000"/>
@@ -3621,10 +3624,1476 @@
           </a:p>
         </p:txBody>
       </p:sp>
+      <p:sp>
+        <p:nvSpPr>
+          <p:cNvPr id="17" name="TextBox 16">
+            <a:extLst>
+              <a:ext uri="{FF2B5EF4-FFF2-40B4-BE49-F238E27FC236}">
+                <a16:creationId xmlns:a16="http://schemas.microsoft.com/office/drawing/2014/main" id="{D6754C8C-C882-E3DB-B4C4-4D16F7A29DE7}"/>
+              </a:ext>
+            </a:extLst>
+          </p:cNvPr>
+          <p:cNvSpPr txBox="1"/>
+          <p:nvPr/>
+        </p:nvSpPr>
+        <p:spPr>
+          <a:xfrm>
+            <a:off x="2125980" y="548997"/>
+            <a:ext cx="1107996" cy="369332"/>
+          </a:xfrm>
+          <a:prstGeom prst="rect">
+            <a:avLst/>
+          </a:prstGeom>
+          <a:noFill/>
+        </p:spPr>
+        <p:txBody>
+          <a:bodyPr wrap="none" rtlCol="0">
+            <a:spAutoFit/>
+          </a:bodyPr>
+          <a:lstStyle/>
+          <a:p>
+            <a:r>
+              <a:rPr lang="ko-KR" altLang="en-US" dirty="0" err="1"/>
+              <a:t>메인화면</a:t>
+            </a:r>
+            <a:endParaRPr lang="ko-KR" altLang="en-US" dirty="0"/>
+          </a:p>
+        </p:txBody>
+      </p:sp>
     </p:spTree>
     <p:extLst>
       <p:ext uri="{BB962C8B-B14F-4D97-AF65-F5344CB8AC3E}">
         <p14:creationId xmlns:p14="http://schemas.microsoft.com/office/powerpoint/2010/main" val="3065694035"/>
+      </p:ext>
+    </p:extLst>
+  </p:cSld>
+  <p:clrMapOvr>
+    <a:masterClrMapping/>
+  </p:clrMapOvr>
+</p:sld>
+</file>
+
+<file path=ppt/slides/slide2.xml><?xml version="1.0" encoding="utf-8"?>
+<p:sld xmlns:a="http://schemas.openxmlformats.org/drawingml/2006/main" xmlns:r="http://schemas.openxmlformats.org/officeDocument/2006/relationships" xmlns:p="http://schemas.openxmlformats.org/presentationml/2006/main">
+  <p:cSld>
+    <p:spTree>
+      <p:nvGrpSpPr>
+        <p:cNvPr id="1" name=""/>
+        <p:cNvGrpSpPr/>
+        <p:nvPr/>
+      </p:nvGrpSpPr>
+      <p:grpSpPr>
+        <a:xfrm>
+          <a:off x="0" y="0"/>
+          <a:ext cx="0" cy="0"/>
+          <a:chOff x="0" y="0"/>
+          <a:chExt cx="0" cy="0"/>
+        </a:xfrm>
+      </p:grpSpPr>
+      <p:pic>
+        <p:nvPicPr>
+          <p:cNvPr id="6" name="그림 5" descr="천장, 실내, 바닥, 테이블이(가) 표시된 사진&#10;&#10;자동 생성된 설명">
+            <a:extLst>
+              <a:ext uri="{FF2B5EF4-FFF2-40B4-BE49-F238E27FC236}">
+                <a16:creationId xmlns:a16="http://schemas.microsoft.com/office/drawing/2014/main" id="{D0EF675D-ED0D-C48D-CD8B-02861FE1B9F2}"/>
+              </a:ext>
+            </a:extLst>
+          </p:cNvPr>
+          <p:cNvPicPr>
+            <a:picLocks noChangeAspect="1"/>
+          </p:cNvPicPr>
+          <p:nvPr/>
+        </p:nvPicPr>
+        <p:blipFill>
+          <a:blip r:embed="rId2">
+            <a:extLst>
+              <a:ext uri="{28A0092B-C50C-407E-A947-70E740481C1C}">
+                <a14:useLocalDpi xmlns:a14="http://schemas.microsoft.com/office/drawing/2010/main" val="0"/>
+              </a:ext>
+            </a:extLst>
+          </a:blip>
+          <a:stretch>
+            <a:fillRect/>
+          </a:stretch>
+        </p:blipFill>
+        <p:spPr>
+          <a:xfrm>
+            <a:off x="2225040" y="1143000"/>
+            <a:ext cx="6096000" cy="4572000"/>
+          </a:xfrm>
+          <a:prstGeom prst="rect">
+            <a:avLst/>
+          </a:prstGeom>
+        </p:spPr>
+      </p:pic>
+      <p:sp>
+        <p:nvSpPr>
+          <p:cNvPr id="15" name="직사각형 14">
+            <a:extLst>
+              <a:ext uri="{FF2B5EF4-FFF2-40B4-BE49-F238E27FC236}">
+                <a16:creationId xmlns:a16="http://schemas.microsoft.com/office/drawing/2014/main" id="{54646969-B5B9-556A-8D81-3FCBCA4B44C4}"/>
+              </a:ext>
+            </a:extLst>
+          </p:cNvPr>
+          <p:cNvSpPr/>
+          <p:nvPr/>
+        </p:nvSpPr>
+        <p:spPr>
+          <a:xfrm>
+            <a:off x="2225040" y="1116330"/>
+            <a:ext cx="6096000" cy="4625340"/>
+          </a:xfrm>
+          <a:prstGeom prst="rect">
+            <a:avLst/>
+          </a:prstGeom>
+          <a:solidFill>
+            <a:schemeClr val="bg2">
+              <a:alpha val="50000"/>
+            </a:schemeClr>
+          </a:solidFill>
+          <a:ln>
+            <a:noFill/>
+          </a:ln>
+        </p:spPr>
+        <p:style>
+          <a:lnRef idx="2">
+            <a:schemeClr val="accent1">
+              <a:shade val="50000"/>
+            </a:schemeClr>
+          </a:lnRef>
+          <a:fillRef idx="1">
+            <a:schemeClr val="accent1"/>
+          </a:fillRef>
+          <a:effectRef idx="0">
+            <a:schemeClr val="accent1"/>
+          </a:effectRef>
+          <a:fontRef idx="minor">
+            <a:schemeClr val="lt1"/>
+          </a:fontRef>
+        </p:style>
+        <p:txBody>
+          <a:bodyPr rtlCol="0" anchor="ctr"/>
+          <a:lstStyle/>
+          <a:p>
+            <a:pPr algn="ctr"/>
+            <a:endParaRPr lang="ko-KR" altLang="en-US" dirty="0"/>
+          </a:p>
+        </p:txBody>
+      </p:sp>
+      <p:sp>
+        <p:nvSpPr>
+          <p:cNvPr id="11" name="직사각형 10">
+            <a:extLst>
+              <a:ext uri="{FF2B5EF4-FFF2-40B4-BE49-F238E27FC236}">
+                <a16:creationId xmlns:a16="http://schemas.microsoft.com/office/drawing/2014/main" id="{5C9A0D9E-913C-F121-9C5D-4B9BC54F1B13}"/>
+              </a:ext>
+            </a:extLst>
+          </p:cNvPr>
+          <p:cNvSpPr/>
+          <p:nvPr/>
+        </p:nvSpPr>
+        <p:spPr>
+          <a:xfrm>
+            <a:off x="6591300" y="1596390"/>
+            <a:ext cx="1318260" cy="281940"/>
+          </a:xfrm>
+          <a:prstGeom prst="rect">
+            <a:avLst/>
+          </a:prstGeom>
+          <a:solidFill>
+            <a:srgbClr val="7CBEF9"/>
+          </a:solidFill>
+          <a:ln>
+            <a:noFill/>
+          </a:ln>
+        </p:spPr>
+        <p:style>
+          <a:lnRef idx="2">
+            <a:schemeClr val="accent1">
+              <a:shade val="50000"/>
+            </a:schemeClr>
+          </a:lnRef>
+          <a:fillRef idx="1">
+            <a:schemeClr val="accent1"/>
+          </a:fillRef>
+          <a:effectRef idx="0">
+            <a:schemeClr val="accent1"/>
+          </a:effectRef>
+          <a:fontRef idx="minor">
+            <a:schemeClr val="lt1"/>
+          </a:fontRef>
+        </p:style>
+        <p:txBody>
+          <a:bodyPr rtlCol="0" anchor="ctr"/>
+          <a:lstStyle/>
+          <a:p>
+            <a:pPr algn="ctr"/>
+            <a:r>
+              <a:rPr lang="ko-KR" altLang="en-US" dirty="0"/>
+              <a:t>입장하기</a:t>
+            </a:r>
+          </a:p>
+        </p:txBody>
+      </p:sp>
+      <p:sp>
+        <p:nvSpPr>
+          <p:cNvPr id="14" name="직사각형 13">
+            <a:extLst>
+              <a:ext uri="{FF2B5EF4-FFF2-40B4-BE49-F238E27FC236}">
+                <a16:creationId xmlns:a16="http://schemas.microsoft.com/office/drawing/2014/main" id="{FE8C1682-6CF0-9B93-8245-8276BA478C3B}"/>
+              </a:ext>
+            </a:extLst>
+          </p:cNvPr>
+          <p:cNvSpPr/>
+          <p:nvPr/>
+        </p:nvSpPr>
+        <p:spPr>
+          <a:xfrm>
+            <a:off x="4434840" y="1617345"/>
+            <a:ext cx="1676400" cy="666750"/>
+          </a:xfrm>
+          <a:prstGeom prst="rect">
+            <a:avLst/>
+          </a:prstGeom>
+          <a:solidFill>
+            <a:schemeClr val="bg2"/>
+          </a:solidFill>
+          <a:ln>
+            <a:noFill/>
+          </a:ln>
+        </p:spPr>
+        <p:style>
+          <a:lnRef idx="2">
+            <a:schemeClr val="accent1">
+              <a:shade val="50000"/>
+            </a:schemeClr>
+          </a:lnRef>
+          <a:fillRef idx="1">
+            <a:schemeClr val="accent1"/>
+          </a:fillRef>
+          <a:effectRef idx="0">
+            <a:schemeClr val="accent1"/>
+          </a:effectRef>
+          <a:fontRef idx="minor">
+            <a:schemeClr val="lt1"/>
+          </a:fontRef>
+        </p:style>
+        <p:txBody>
+          <a:bodyPr rtlCol="0" anchor="ctr"/>
+          <a:lstStyle/>
+          <a:p>
+            <a:pPr algn="ctr"/>
+            <a:r>
+              <a:rPr lang="ko-KR" altLang="en-US" dirty="0"/>
+              <a:t>인원수</a:t>
+            </a:r>
+          </a:p>
+        </p:txBody>
+      </p:sp>
+      <p:sp>
+        <p:nvSpPr>
+          <p:cNvPr id="12" name="직사각형 11">
+            <a:extLst>
+              <a:ext uri="{FF2B5EF4-FFF2-40B4-BE49-F238E27FC236}">
+                <a16:creationId xmlns:a16="http://schemas.microsoft.com/office/drawing/2014/main" id="{7EC2B5AB-C1AC-97F8-BB4E-05CF2A6D19D1}"/>
+              </a:ext>
+            </a:extLst>
+          </p:cNvPr>
+          <p:cNvSpPr/>
+          <p:nvPr/>
+        </p:nvSpPr>
+        <p:spPr>
+          <a:xfrm>
+            <a:off x="6591300" y="2034540"/>
+            <a:ext cx="1318260" cy="281940"/>
+          </a:xfrm>
+          <a:prstGeom prst="rect">
+            <a:avLst/>
+          </a:prstGeom>
+          <a:solidFill>
+            <a:srgbClr val="7CBEF9"/>
+          </a:solidFill>
+          <a:ln>
+            <a:noFill/>
+          </a:ln>
+        </p:spPr>
+        <p:style>
+          <a:lnRef idx="2">
+            <a:schemeClr val="accent1">
+              <a:shade val="50000"/>
+            </a:schemeClr>
+          </a:lnRef>
+          <a:fillRef idx="1">
+            <a:schemeClr val="accent1"/>
+          </a:fillRef>
+          <a:effectRef idx="0">
+            <a:schemeClr val="accent1"/>
+          </a:effectRef>
+          <a:fontRef idx="minor">
+            <a:schemeClr val="lt1"/>
+          </a:fontRef>
+        </p:style>
+        <p:txBody>
+          <a:bodyPr rtlCol="0" anchor="ctr"/>
+          <a:lstStyle/>
+          <a:p>
+            <a:pPr algn="ctr"/>
+            <a:r>
+              <a:rPr lang="ko-KR" altLang="en-US" dirty="0"/>
+              <a:t>퇴장하기</a:t>
+            </a:r>
+          </a:p>
+        </p:txBody>
+      </p:sp>
+      <p:sp>
+        <p:nvSpPr>
+          <p:cNvPr id="16" name="TextBox 15">
+            <a:extLst>
+              <a:ext uri="{FF2B5EF4-FFF2-40B4-BE49-F238E27FC236}">
+                <a16:creationId xmlns:a16="http://schemas.microsoft.com/office/drawing/2014/main" id="{B694757C-34AD-7D1E-5298-F192B3C91C8B}"/>
+              </a:ext>
+            </a:extLst>
+          </p:cNvPr>
+          <p:cNvSpPr txBox="1"/>
+          <p:nvPr/>
+        </p:nvSpPr>
+        <p:spPr>
+          <a:xfrm>
+            <a:off x="3779520" y="4398646"/>
+            <a:ext cx="3147060" cy="1323439"/>
+          </a:xfrm>
+          <a:prstGeom prst="rect">
+            <a:avLst/>
+          </a:prstGeom>
+          <a:noFill/>
+        </p:spPr>
+        <p:txBody>
+          <a:bodyPr wrap="square" rtlCol="0">
+            <a:spAutoFit/>
+          </a:bodyPr>
+          <a:lstStyle/>
+          <a:p>
+            <a:pPr algn="ctr"/>
+            <a:r>
+              <a:rPr lang="ko-KR" altLang="en-US" sz="3000" dirty="0"/>
+              <a:t>잔여 좌석 수</a:t>
+            </a:r>
+            <a:endParaRPr lang="en-US" altLang="ko-KR" sz="3000" dirty="0"/>
+          </a:p>
+          <a:p>
+            <a:pPr algn="ctr"/>
+            <a:r>
+              <a:rPr lang="en-US" altLang="ko-KR" sz="5000" dirty="0"/>
+              <a:t>20</a:t>
+            </a:r>
+            <a:endParaRPr lang="ko-KR" altLang="en-US" sz="5000" dirty="0"/>
+          </a:p>
+        </p:txBody>
+      </p:sp>
+      <p:sp>
+        <p:nvSpPr>
+          <p:cNvPr id="2" name="직사각형 1">
+            <a:extLst>
+              <a:ext uri="{FF2B5EF4-FFF2-40B4-BE49-F238E27FC236}">
+                <a16:creationId xmlns:a16="http://schemas.microsoft.com/office/drawing/2014/main" id="{A7F64998-67D2-FA54-3888-DADD5751CD53}"/>
+              </a:ext>
+            </a:extLst>
+          </p:cNvPr>
+          <p:cNvSpPr/>
+          <p:nvPr/>
+        </p:nvSpPr>
+        <p:spPr>
+          <a:xfrm>
+            <a:off x="4434840" y="2849880"/>
+            <a:ext cx="2049780" cy="716281"/>
+          </a:xfrm>
+          <a:prstGeom prst="rect">
+            <a:avLst/>
+          </a:prstGeom>
+          <a:solidFill>
+            <a:schemeClr val="bg1"/>
+          </a:solidFill>
+          <a:ln>
+            <a:noFill/>
+          </a:ln>
+        </p:spPr>
+        <p:style>
+          <a:lnRef idx="2">
+            <a:schemeClr val="accent1">
+              <a:shade val="50000"/>
+            </a:schemeClr>
+          </a:lnRef>
+          <a:fillRef idx="1">
+            <a:schemeClr val="accent1"/>
+          </a:fillRef>
+          <a:effectRef idx="0">
+            <a:schemeClr val="accent1"/>
+          </a:effectRef>
+          <a:fontRef idx="minor">
+            <a:schemeClr val="lt1"/>
+          </a:fontRef>
+        </p:style>
+        <p:txBody>
+          <a:bodyPr rtlCol="0" anchor="ctr"/>
+          <a:lstStyle/>
+          <a:p>
+            <a:pPr algn="ctr"/>
+            <a:r>
+              <a:rPr lang="ko-KR" altLang="en-US" dirty="0">
+                <a:solidFill>
+                  <a:schemeClr val="tx1"/>
+                </a:solidFill>
+              </a:rPr>
+              <a:t>환영합니다</a:t>
+            </a:r>
+          </a:p>
+        </p:txBody>
+      </p:sp>
+      <p:sp>
+        <p:nvSpPr>
+          <p:cNvPr id="3" name="TextBox 2">
+            <a:extLst>
+              <a:ext uri="{FF2B5EF4-FFF2-40B4-BE49-F238E27FC236}">
+                <a16:creationId xmlns:a16="http://schemas.microsoft.com/office/drawing/2014/main" id="{33EC90F8-FDFC-B5C0-6B69-71DBD47328D6}"/>
+              </a:ext>
+            </a:extLst>
+          </p:cNvPr>
+          <p:cNvSpPr txBox="1"/>
+          <p:nvPr/>
+        </p:nvSpPr>
+        <p:spPr>
+          <a:xfrm>
+            <a:off x="320040" y="179665"/>
+            <a:ext cx="2887329" cy="923330"/>
+          </a:xfrm>
+          <a:prstGeom prst="rect">
+            <a:avLst/>
+          </a:prstGeom>
+          <a:noFill/>
+        </p:spPr>
+        <p:txBody>
+          <a:bodyPr wrap="none" rtlCol="0">
+            <a:spAutoFit/>
+          </a:bodyPr>
+          <a:lstStyle/>
+          <a:p>
+            <a:r>
+              <a:rPr lang="ko-KR" altLang="en-US" dirty="0"/>
+              <a:t>입장하기를 </a:t>
+            </a:r>
+            <a:r>
+              <a:rPr lang="ko-KR" altLang="en-US" dirty="0" err="1"/>
+              <a:t>눌렀을때</a:t>
+            </a:r>
+            <a:endParaRPr lang="en-US" altLang="ko-KR" dirty="0"/>
+          </a:p>
+          <a:p>
+            <a:r>
+              <a:rPr lang="ko-KR" altLang="en-US" dirty="0"/>
+              <a:t>환영합니다 문구가 </a:t>
+            </a:r>
+            <a:r>
+              <a:rPr lang="ko-KR" altLang="en-US" dirty="0" err="1"/>
+              <a:t>나온후</a:t>
+            </a:r>
+            <a:endParaRPr lang="en-US" altLang="ko-KR" dirty="0"/>
+          </a:p>
+          <a:p>
+            <a:r>
+              <a:rPr lang="en-US" altLang="ko-KR" dirty="0"/>
+              <a:t>5</a:t>
+            </a:r>
+            <a:r>
+              <a:rPr lang="ko-KR" altLang="en-US" dirty="0" err="1"/>
+              <a:t>초후에</a:t>
+            </a:r>
+            <a:r>
+              <a:rPr lang="ko-KR" altLang="en-US" dirty="0"/>
+              <a:t> 사라짐</a:t>
+            </a:r>
+            <a:r>
+              <a:rPr lang="en-US" altLang="ko-KR" dirty="0"/>
+              <a:t>.</a:t>
+            </a:r>
+            <a:endParaRPr lang="ko-KR" altLang="en-US" dirty="0"/>
+          </a:p>
+        </p:txBody>
+      </p:sp>
+    </p:spTree>
+    <p:extLst>
+      <p:ext uri="{BB962C8B-B14F-4D97-AF65-F5344CB8AC3E}">
+        <p14:creationId xmlns:p14="http://schemas.microsoft.com/office/powerpoint/2010/main" val="888397729"/>
+      </p:ext>
+    </p:extLst>
+  </p:cSld>
+  <p:clrMapOvr>
+    <a:masterClrMapping/>
+  </p:clrMapOvr>
+</p:sld>
+</file>
+
+<file path=ppt/slides/slide3.xml><?xml version="1.0" encoding="utf-8"?>
+<p:sld xmlns:a="http://schemas.openxmlformats.org/drawingml/2006/main" xmlns:r="http://schemas.openxmlformats.org/officeDocument/2006/relationships" xmlns:p="http://schemas.openxmlformats.org/presentationml/2006/main">
+  <p:cSld>
+    <p:spTree>
+      <p:nvGrpSpPr>
+        <p:cNvPr id="1" name=""/>
+        <p:cNvGrpSpPr/>
+        <p:nvPr/>
+      </p:nvGrpSpPr>
+      <p:grpSpPr>
+        <a:xfrm>
+          <a:off x="0" y="0"/>
+          <a:ext cx="0" cy="0"/>
+          <a:chOff x="0" y="0"/>
+          <a:chExt cx="0" cy="0"/>
+        </a:xfrm>
+      </p:grpSpPr>
+      <p:pic>
+        <p:nvPicPr>
+          <p:cNvPr id="6" name="그림 5" descr="천장, 실내, 바닥, 테이블이(가) 표시된 사진&#10;&#10;자동 생성된 설명">
+            <a:extLst>
+              <a:ext uri="{FF2B5EF4-FFF2-40B4-BE49-F238E27FC236}">
+                <a16:creationId xmlns:a16="http://schemas.microsoft.com/office/drawing/2014/main" id="{D0EF675D-ED0D-C48D-CD8B-02861FE1B9F2}"/>
+              </a:ext>
+            </a:extLst>
+          </p:cNvPr>
+          <p:cNvPicPr>
+            <a:picLocks noChangeAspect="1"/>
+          </p:cNvPicPr>
+          <p:nvPr/>
+        </p:nvPicPr>
+        <p:blipFill>
+          <a:blip r:embed="rId2">
+            <a:extLst>
+              <a:ext uri="{28A0092B-C50C-407E-A947-70E740481C1C}">
+                <a14:useLocalDpi xmlns:a14="http://schemas.microsoft.com/office/drawing/2010/main" val="0"/>
+              </a:ext>
+            </a:extLst>
+          </a:blip>
+          <a:stretch>
+            <a:fillRect/>
+          </a:stretch>
+        </p:blipFill>
+        <p:spPr>
+          <a:xfrm>
+            <a:off x="2225040" y="1143000"/>
+            <a:ext cx="6096000" cy="4572000"/>
+          </a:xfrm>
+          <a:prstGeom prst="rect">
+            <a:avLst/>
+          </a:prstGeom>
+        </p:spPr>
+      </p:pic>
+      <p:sp>
+        <p:nvSpPr>
+          <p:cNvPr id="15" name="직사각형 14">
+            <a:extLst>
+              <a:ext uri="{FF2B5EF4-FFF2-40B4-BE49-F238E27FC236}">
+                <a16:creationId xmlns:a16="http://schemas.microsoft.com/office/drawing/2014/main" id="{54646969-B5B9-556A-8D81-3FCBCA4B44C4}"/>
+              </a:ext>
+            </a:extLst>
+          </p:cNvPr>
+          <p:cNvSpPr/>
+          <p:nvPr/>
+        </p:nvSpPr>
+        <p:spPr>
+          <a:xfrm>
+            <a:off x="2225040" y="1116330"/>
+            <a:ext cx="6096000" cy="4625340"/>
+          </a:xfrm>
+          <a:prstGeom prst="rect">
+            <a:avLst/>
+          </a:prstGeom>
+          <a:solidFill>
+            <a:schemeClr val="bg2">
+              <a:alpha val="50000"/>
+            </a:schemeClr>
+          </a:solidFill>
+          <a:ln>
+            <a:noFill/>
+          </a:ln>
+        </p:spPr>
+        <p:style>
+          <a:lnRef idx="2">
+            <a:schemeClr val="accent1">
+              <a:shade val="50000"/>
+            </a:schemeClr>
+          </a:lnRef>
+          <a:fillRef idx="1">
+            <a:schemeClr val="accent1"/>
+          </a:fillRef>
+          <a:effectRef idx="0">
+            <a:schemeClr val="accent1"/>
+          </a:effectRef>
+          <a:fontRef idx="minor">
+            <a:schemeClr val="lt1"/>
+          </a:fontRef>
+        </p:style>
+        <p:txBody>
+          <a:bodyPr rtlCol="0" anchor="ctr"/>
+          <a:lstStyle/>
+          <a:p>
+            <a:pPr algn="ctr"/>
+            <a:endParaRPr lang="ko-KR" altLang="en-US" dirty="0"/>
+          </a:p>
+        </p:txBody>
+      </p:sp>
+      <p:sp>
+        <p:nvSpPr>
+          <p:cNvPr id="11" name="직사각형 10">
+            <a:extLst>
+              <a:ext uri="{FF2B5EF4-FFF2-40B4-BE49-F238E27FC236}">
+                <a16:creationId xmlns:a16="http://schemas.microsoft.com/office/drawing/2014/main" id="{5C9A0D9E-913C-F121-9C5D-4B9BC54F1B13}"/>
+              </a:ext>
+            </a:extLst>
+          </p:cNvPr>
+          <p:cNvSpPr/>
+          <p:nvPr/>
+        </p:nvSpPr>
+        <p:spPr>
+          <a:xfrm>
+            <a:off x="6591300" y="1596390"/>
+            <a:ext cx="1318260" cy="281940"/>
+          </a:xfrm>
+          <a:prstGeom prst="rect">
+            <a:avLst/>
+          </a:prstGeom>
+          <a:solidFill>
+            <a:srgbClr val="7CBEF9"/>
+          </a:solidFill>
+          <a:ln>
+            <a:noFill/>
+          </a:ln>
+        </p:spPr>
+        <p:style>
+          <a:lnRef idx="2">
+            <a:schemeClr val="accent1">
+              <a:shade val="50000"/>
+            </a:schemeClr>
+          </a:lnRef>
+          <a:fillRef idx="1">
+            <a:schemeClr val="accent1"/>
+          </a:fillRef>
+          <a:effectRef idx="0">
+            <a:schemeClr val="accent1"/>
+          </a:effectRef>
+          <a:fontRef idx="minor">
+            <a:schemeClr val="lt1"/>
+          </a:fontRef>
+        </p:style>
+        <p:txBody>
+          <a:bodyPr rtlCol="0" anchor="ctr"/>
+          <a:lstStyle/>
+          <a:p>
+            <a:pPr algn="ctr"/>
+            <a:r>
+              <a:rPr lang="ko-KR" altLang="en-US" dirty="0"/>
+              <a:t>입장하기</a:t>
+            </a:r>
+          </a:p>
+        </p:txBody>
+      </p:sp>
+      <p:sp>
+        <p:nvSpPr>
+          <p:cNvPr id="14" name="직사각형 13">
+            <a:extLst>
+              <a:ext uri="{FF2B5EF4-FFF2-40B4-BE49-F238E27FC236}">
+                <a16:creationId xmlns:a16="http://schemas.microsoft.com/office/drawing/2014/main" id="{FE8C1682-6CF0-9B93-8245-8276BA478C3B}"/>
+              </a:ext>
+            </a:extLst>
+          </p:cNvPr>
+          <p:cNvSpPr/>
+          <p:nvPr/>
+        </p:nvSpPr>
+        <p:spPr>
+          <a:xfrm>
+            <a:off x="4434840" y="1617345"/>
+            <a:ext cx="1676400" cy="666750"/>
+          </a:xfrm>
+          <a:prstGeom prst="rect">
+            <a:avLst/>
+          </a:prstGeom>
+          <a:solidFill>
+            <a:schemeClr val="bg2"/>
+          </a:solidFill>
+          <a:ln>
+            <a:noFill/>
+          </a:ln>
+        </p:spPr>
+        <p:style>
+          <a:lnRef idx="2">
+            <a:schemeClr val="accent1">
+              <a:shade val="50000"/>
+            </a:schemeClr>
+          </a:lnRef>
+          <a:fillRef idx="1">
+            <a:schemeClr val="accent1"/>
+          </a:fillRef>
+          <a:effectRef idx="0">
+            <a:schemeClr val="accent1"/>
+          </a:effectRef>
+          <a:fontRef idx="minor">
+            <a:schemeClr val="lt1"/>
+          </a:fontRef>
+        </p:style>
+        <p:txBody>
+          <a:bodyPr rtlCol="0" anchor="ctr"/>
+          <a:lstStyle/>
+          <a:p>
+            <a:pPr algn="ctr"/>
+            <a:r>
+              <a:rPr lang="ko-KR" altLang="en-US" dirty="0"/>
+              <a:t>인원수</a:t>
+            </a:r>
+          </a:p>
+        </p:txBody>
+      </p:sp>
+      <p:sp>
+        <p:nvSpPr>
+          <p:cNvPr id="12" name="직사각형 11">
+            <a:extLst>
+              <a:ext uri="{FF2B5EF4-FFF2-40B4-BE49-F238E27FC236}">
+                <a16:creationId xmlns:a16="http://schemas.microsoft.com/office/drawing/2014/main" id="{7EC2B5AB-C1AC-97F8-BB4E-05CF2A6D19D1}"/>
+              </a:ext>
+            </a:extLst>
+          </p:cNvPr>
+          <p:cNvSpPr/>
+          <p:nvPr/>
+        </p:nvSpPr>
+        <p:spPr>
+          <a:xfrm>
+            <a:off x="6591300" y="2034540"/>
+            <a:ext cx="1318260" cy="281940"/>
+          </a:xfrm>
+          <a:prstGeom prst="rect">
+            <a:avLst/>
+          </a:prstGeom>
+          <a:solidFill>
+            <a:srgbClr val="7CBEF9"/>
+          </a:solidFill>
+          <a:ln>
+            <a:noFill/>
+          </a:ln>
+        </p:spPr>
+        <p:style>
+          <a:lnRef idx="2">
+            <a:schemeClr val="accent1">
+              <a:shade val="50000"/>
+            </a:schemeClr>
+          </a:lnRef>
+          <a:fillRef idx="1">
+            <a:schemeClr val="accent1"/>
+          </a:fillRef>
+          <a:effectRef idx="0">
+            <a:schemeClr val="accent1"/>
+          </a:effectRef>
+          <a:fontRef idx="minor">
+            <a:schemeClr val="lt1"/>
+          </a:fontRef>
+        </p:style>
+        <p:txBody>
+          <a:bodyPr rtlCol="0" anchor="ctr"/>
+          <a:lstStyle/>
+          <a:p>
+            <a:pPr algn="ctr"/>
+            <a:r>
+              <a:rPr lang="ko-KR" altLang="en-US" dirty="0"/>
+              <a:t>퇴장하기</a:t>
+            </a:r>
+          </a:p>
+        </p:txBody>
+      </p:sp>
+      <p:sp>
+        <p:nvSpPr>
+          <p:cNvPr id="16" name="TextBox 15">
+            <a:extLst>
+              <a:ext uri="{FF2B5EF4-FFF2-40B4-BE49-F238E27FC236}">
+                <a16:creationId xmlns:a16="http://schemas.microsoft.com/office/drawing/2014/main" id="{B694757C-34AD-7D1E-5298-F192B3C91C8B}"/>
+              </a:ext>
+            </a:extLst>
+          </p:cNvPr>
+          <p:cNvSpPr txBox="1"/>
+          <p:nvPr/>
+        </p:nvSpPr>
+        <p:spPr>
+          <a:xfrm>
+            <a:off x="3779520" y="4398646"/>
+            <a:ext cx="3147060" cy="1323439"/>
+          </a:xfrm>
+          <a:prstGeom prst="rect">
+            <a:avLst/>
+          </a:prstGeom>
+          <a:noFill/>
+        </p:spPr>
+        <p:txBody>
+          <a:bodyPr wrap="square" rtlCol="0">
+            <a:spAutoFit/>
+          </a:bodyPr>
+          <a:lstStyle/>
+          <a:p>
+            <a:pPr algn="ctr"/>
+            <a:r>
+              <a:rPr lang="ko-KR" altLang="en-US" sz="3000" dirty="0"/>
+              <a:t>잔여 좌석 수</a:t>
+            </a:r>
+            <a:endParaRPr lang="en-US" altLang="ko-KR" sz="3000" dirty="0"/>
+          </a:p>
+          <a:p>
+            <a:pPr algn="ctr"/>
+            <a:r>
+              <a:rPr lang="en-US" altLang="ko-KR" sz="5000" dirty="0"/>
+              <a:t>20</a:t>
+            </a:r>
+            <a:endParaRPr lang="ko-KR" altLang="en-US" sz="5000" dirty="0"/>
+          </a:p>
+        </p:txBody>
+      </p:sp>
+      <p:sp>
+        <p:nvSpPr>
+          <p:cNvPr id="2" name="직사각형 1">
+            <a:extLst>
+              <a:ext uri="{FF2B5EF4-FFF2-40B4-BE49-F238E27FC236}">
+                <a16:creationId xmlns:a16="http://schemas.microsoft.com/office/drawing/2014/main" id="{A7F64998-67D2-FA54-3888-DADD5751CD53}"/>
+              </a:ext>
+            </a:extLst>
+          </p:cNvPr>
+          <p:cNvSpPr/>
+          <p:nvPr/>
+        </p:nvSpPr>
+        <p:spPr>
+          <a:xfrm>
+            <a:off x="4434840" y="2849880"/>
+            <a:ext cx="2049780" cy="716281"/>
+          </a:xfrm>
+          <a:prstGeom prst="rect">
+            <a:avLst/>
+          </a:prstGeom>
+          <a:solidFill>
+            <a:schemeClr val="bg1"/>
+          </a:solidFill>
+          <a:ln>
+            <a:noFill/>
+          </a:ln>
+        </p:spPr>
+        <p:style>
+          <a:lnRef idx="2">
+            <a:schemeClr val="accent1">
+              <a:shade val="50000"/>
+            </a:schemeClr>
+          </a:lnRef>
+          <a:fillRef idx="1">
+            <a:schemeClr val="accent1"/>
+          </a:fillRef>
+          <a:effectRef idx="0">
+            <a:schemeClr val="accent1"/>
+          </a:effectRef>
+          <a:fontRef idx="minor">
+            <a:schemeClr val="lt1"/>
+          </a:fontRef>
+        </p:style>
+        <p:txBody>
+          <a:bodyPr rtlCol="0" anchor="ctr"/>
+          <a:lstStyle/>
+          <a:p>
+            <a:pPr algn="ctr"/>
+            <a:r>
+              <a:rPr lang="ko-KR" altLang="en-US" dirty="0" err="1">
+                <a:solidFill>
+                  <a:schemeClr val="tx1"/>
+                </a:solidFill>
+              </a:rPr>
+              <a:t>이용해주셔서</a:t>
+            </a:r>
+            <a:r>
+              <a:rPr lang="ko-KR" altLang="en-US" dirty="0">
+                <a:solidFill>
+                  <a:schemeClr val="tx1"/>
+                </a:solidFill>
+              </a:rPr>
+              <a:t> </a:t>
+            </a:r>
+            <a:endParaRPr lang="en-US" altLang="ko-KR" dirty="0">
+              <a:solidFill>
+                <a:schemeClr val="tx1"/>
+              </a:solidFill>
+            </a:endParaRPr>
+          </a:p>
+          <a:p>
+            <a:pPr algn="ctr"/>
+            <a:r>
+              <a:rPr lang="ko-KR" altLang="en-US" dirty="0">
+                <a:solidFill>
+                  <a:schemeClr val="tx1"/>
+                </a:solidFill>
+              </a:rPr>
+              <a:t>감사합니다</a:t>
+            </a:r>
+          </a:p>
+        </p:txBody>
+      </p:sp>
+      <p:sp>
+        <p:nvSpPr>
+          <p:cNvPr id="3" name="TextBox 2">
+            <a:extLst>
+              <a:ext uri="{FF2B5EF4-FFF2-40B4-BE49-F238E27FC236}">
+                <a16:creationId xmlns:a16="http://schemas.microsoft.com/office/drawing/2014/main" id="{13507300-CF12-29B8-F79D-1EDE4CDBD5D9}"/>
+              </a:ext>
+            </a:extLst>
+          </p:cNvPr>
+          <p:cNvSpPr txBox="1"/>
+          <p:nvPr/>
+        </p:nvSpPr>
+        <p:spPr>
+          <a:xfrm>
+            <a:off x="320040" y="179665"/>
+            <a:ext cx="3095719" cy="923330"/>
+          </a:xfrm>
+          <a:prstGeom prst="rect">
+            <a:avLst/>
+          </a:prstGeom>
+          <a:noFill/>
+        </p:spPr>
+        <p:txBody>
+          <a:bodyPr wrap="none" rtlCol="0">
+            <a:spAutoFit/>
+          </a:bodyPr>
+          <a:lstStyle/>
+          <a:p>
+            <a:r>
+              <a:rPr lang="ko-KR" altLang="en-US" dirty="0"/>
+              <a:t>퇴장하기를 </a:t>
+            </a:r>
+            <a:r>
+              <a:rPr lang="ko-KR" altLang="en-US" dirty="0" err="1"/>
+              <a:t>눌렀을때</a:t>
+            </a:r>
+            <a:endParaRPr lang="en-US" altLang="ko-KR" dirty="0"/>
+          </a:p>
+          <a:p>
+            <a:r>
+              <a:rPr lang="ko-KR" altLang="en-US" dirty="0" err="1"/>
+              <a:t>이용해주셔서</a:t>
+            </a:r>
+            <a:r>
+              <a:rPr lang="ko-KR" altLang="en-US" dirty="0"/>
+              <a:t> 감사합니다</a:t>
+            </a:r>
+            <a:endParaRPr lang="en-US" altLang="ko-KR" dirty="0"/>
+          </a:p>
+          <a:p>
+            <a:r>
+              <a:rPr lang="ko-KR" altLang="en-US" dirty="0"/>
+              <a:t>문구가 </a:t>
+            </a:r>
+            <a:r>
+              <a:rPr lang="ko-KR" altLang="en-US" dirty="0" err="1"/>
+              <a:t>나온후</a:t>
+            </a:r>
+            <a:r>
+              <a:rPr lang="ko-KR" altLang="en-US" dirty="0"/>
+              <a:t> </a:t>
+            </a:r>
+            <a:r>
+              <a:rPr lang="en-US" altLang="ko-KR" dirty="0"/>
+              <a:t>5</a:t>
+            </a:r>
+            <a:r>
+              <a:rPr lang="ko-KR" altLang="en-US" dirty="0" err="1"/>
+              <a:t>초후</a:t>
+            </a:r>
+            <a:r>
+              <a:rPr lang="ko-KR" altLang="en-US" dirty="0"/>
+              <a:t> 사라짐</a:t>
+            </a:r>
+          </a:p>
+        </p:txBody>
+      </p:sp>
+    </p:spTree>
+    <p:extLst>
+      <p:ext uri="{BB962C8B-B14F-4D97-AF65-F5344CB8AC3E}">
+        <p14:creationId xmlns:p14="http://schemas.microsoft.com/office/powerpoint/2010/main" val="3747378518"/>
+      </p:ext>
+    </p:extLst>
+  </p:cSld>
+  <p:clrMapOvr>
+    <a:masterClrMapping/>
+  </p:clrMapOvr>
+</p:sld>
+</file>
+
+<file path=ppt/slides/slide4.xml><?xml version="1.0" encoding="utf-8"?>
+<p:sld xmlns:a="http://schemas.openxmlformats.org/drawingml/2006/main" xmlns:r="http://schemas.openxmlformats.org/officeDocument/2006/relationships" xmlns:p="http://schemas.openxmlformats.org/presentationml/2006/main">
+  <p:cSld>
+    <p:spTree>
+      <p:nvGrpSpPr>
+        <p:cNvPr id="1" name=""/>
+        <p:cNvGrpSpPr/>
+        <p:nvPr/>
+      </p:nvGrpSpPr>
+      <p:grpSpPr>
+        <a:xfrm>
+          <a:off x="0" y="0"/>
+          <a:ext cx="0" cy="0"/>
+          <a:chOff x="0" y="0"/>
+          <a:chExt cx="0" cy="0"/>
+        </a:xfrm>
+      </p:grpSpPr>
+      <p:pic>
+        <p:nvPicPr>
+          <p:cNvPr id="6" name="그림 5" descr="천장, 실내, 바닥, 테이블이(가) 표시된 사진&#10;&#10;자동 생성된 설명">
+            <a:extLst>
+              <a:ext uri="{FF2B5EF4-FFF2-40B4-BE49-F238E27FC236}">
+                <a16:creationId xmlns:a16="http://schemas.microsoft.com/office/drawing/2014/main" id="{D0EF675D-ED0D-C48D-CD8B-02861FE1B9F2}"/>
+              </a:ext>
+            </a:extLst>
+          </p:cNvPr>
+          <p:cNvPicPr>
+            <a:picLocks noChangeAspect="1"/>
+          </p:cNvPicPr>
+          <p:nvPr/>
+        </p:nvPicPr>
+        <p:blipFill>
+          <a:blip r:embed="rId2">
+            <a:extLst>
+              <a:ext uri="{28A0092B-C50C-407E-A947-70E740481C1C}">
+                <a14:useLocalDpi xmlns:a14="http://schemas.microsoft.com/office/drawing/2010/main" val="0"/>
+              </a:ext>
+            </a:extLst>
+          </a:blip>
+          <a:stretch>
+            <a:fillRect/>
+          </a:stretch>
+        </p:blipFill>
+        <p:spPr>
+          <a:xfrm>
+            <a:off x="2225040" y="1143000"/>
+            <a:ext cx="6096000" cy="4572000"/>
+          </a:xfrm>
+          <a:prstGeom prst="rect">
+            <a:avLst/>
+          </a:prstGeom>
+        </p:spPr>
+      </p:pic>
+      <p:sp>
+        <p:nvSpPr>
+          <p:cNvPr id="15" name="직사각형 14">
+            <a:extLst>
+              <a:ext uri="{FF2B5EF4-FFF2-40B4-BE49-F238E27FC236}">
+                <a16:creationId xmlns:a16="http://schemas.microsoft.com/office/drawing/2014/main" id="{54646969-B5B9-556A-8D81-3FCBCA4B44C4}"/>
+              </a:ext>
+            </a:extLst>
+          </p:cNvPr>
+          <p:cNvSpPr/>
+          <p:nvPr/>
+        </p:nvSpPr>
+        <p:spPr>
+          <a:xfrm>
+            <a:off x="2225040" y="1116330"/>
+            <a:ext cx="6096000" cy="4625340"/>
+          </a:xfrm>
+          <a:prstGeom prst="rect">
+            <a:avLst/>
+          </a:prstGeom>
+          <a:solidFill>
+            <a:schemeClr val="bg2">
+              <a:alpha val="50000"/>
+            </a:schemeClr>
+          </a:solidFill>
+          <a:ln>
+            <a:noFill/>
+          </a:ln>
+        </p:spPr>
+        <p:style>
+          <a:lnRef idx="2">
+            <a:schemeClr val="accent1">
+              <a:shade val="50000"/>
+            </a:schemeClr>
+          </a:lnRef>
+          <a:fillRef idx="1">
+            <a:schemeClr val="accent1"/>
+          </a:fillRef>
+          <a:effectRef idx="0">
+            <a:schemeClr val="accent1"/>
+          </a:effectRef>
+          <a:fontRef idx="minor">
+            <a:schemeClr val="lt1"/>
+          </a:fontRef>
+        </p:style>
+        <p:txBody>
+          <a:bodyPr rtlCol="0" anchor="ctr"/>
+          <a:lstStyle/>
+          <a:p>
+            <a:pPr algn="ctr"/>
+            <a:endParaRPr lang="ko-KR" altLang="en-US" dirty="0"/>
+          </a:p>
+        </p:txBody>
+      </p:sp>
+      <p:sp>
+        <p:nvSpPr>
+          <p:cNvPr id="11" name="직사각형 10">
+            <a:extLst>
+              <a:ext uri="{FF2B5EF4-FFF2-40B4-BE49-F238E27FC236}">
+                <a16:creationId xmlns:a16="http://schemas.microsoft.com/office/drawing/2014/main" id="{5C9A0D9E-913C-F121-9C5D-4B9BC54F1B13}"/>
+              </a:ext>
+            </a:extLst>
+          </p:cNvPr>
+          <p:cNvSpPr/>
+          <p:nvPr/>
+        </p:nvSpPr>
+        <p:spPr>
+          <a:xfrm>
+            <a:off x="6591300" y="1596390"/>
+            <a:ext cx="1318260" cy="281940"/>
+          </a:xfrm>
+          <a:prstGeom prst="rect">
+            <a:avLst/>
+          </a:prstGeom>
+          <a:solidFill>
+            <a:srgbClr val="7CBEF9"/>
+          </a:solidFill>
+          <a:ln>
+            <a:noFill/>
+          </a:ln>
+        </p:spPr>
+        <p:style>
+          <a:lnRef idx="2">
+            <a:schemeClr val="accent1">
+              <a:shade val="50000"/>
+            </a:schemeClr>
+          </a:lnRef>
+          <a:fillRef idx="1">
+            <a:schemeClr val="accent1"/>
+          </a:fillRef>
+          <a:effectRef idx="0">
+            <a:schemeClr val="accent1"/>
+          </a:effectRef>
+          <a:fontRef idx="minor">
+            <a:schemeClr val="lt1"/>
+          </a:fontRef>
+        </p:style>
+        <p:txBody>
+          <a:bodyPr rtlCol="0" anchor="ctr"/>
+          <a:lstStyle/>
+          <a:p>
+            <a:pPr algn="ctr"/>
+            <a:r>
+              <a:rPr lang="ko-KR" altLang="en-US" dirty="0"/>
+              <a:t>입장하기</a:t>
+            </a:r>
+          </a:p>
+        </p:txBody>
+      </p:sp>
+      <p:sp>
+        <p:nvSpPr>
+          <p:cNvPr id="14" name="직사각형 13">
+            <a:extLst>
+              <a:ext uri="{FF2B5EF4-FFF2-40B4-BE49-F238E27FC236}">
+                <a16:creationId xmlns:a16="http://schemas.microsoft.com/office/drawing/2014/main" id="{FE8C1682-6CF0-9B93-8245-8276BA478C3B}"/>
+              </a:ext>
+            </a:extLst>
+          </p:cNvPr>
+          <p:cNvSpPr/>
+          <p:nvPr/>
+        </p:nvSpPr>
+        <p:spPr>
+          <a:xfrm>
+            <a:off x="4434840" y="1617345"/>
+            <a:ext cx="1676400" cy="666750"/>
+          </a:xfrm>
+          <a:prstGeom prst="rect">
+            <a:avLst/>
+          </a:prstGeom>
+          <a:solidFill>
+            <a:schemeClr val="bg2"/>
+          </a:solidFill>
+          <a:ln>
+            <a:noFill/>
+          </a:ln>
+        </p:spPr>
+        <p:style>
+          <a:lnRef idx="2">
+            <a:schemeClr val="accent1">
+              <a:shade val="50000"/>
+            </a:schemeClr>
+          </a:lnRef>
+          <a:fillRef idx="1">
+            <a:schemeClr val="accent1"/>
+          </a:fillRef>
+          <a:effectRef idx="0">
+            <a:schemeClr val="accent1"/>
+          </a:effectRef>
+          <a:fontRef idx="minor">
+            <a:schemeClr val="lt1"/>
+          </a:fontRef>
+        </p:style>
+        <p:txBody>
+          <a:bodyPr rtlCol="0" anchor="ctr"/>
+          <a:lstStyle/>
+          <a:p>
+            <a:pPr algn="ctr"/>
+            <a:r>
+              <a:rPr lang="ko-KR" altLang="en-US" dirty="0"/>
+              <a:t>인원수</a:t>
+            </a:r>
+          </a:p>
+        </p:txBody>
+      </p:sp>
+      <p:sp>
+        <p:nvSpPr>
+          <p:cNvPr id="12" name="직사각형 11">
+            <a:extLst>
+              <a:ext uri="{FF2B5EF4-FFF2-40B4-BE49-F238E27FC236}">
+                <a16:creationId xmlns:a16="http://schemas.microsoft.com/office/drawing/2014/main" id="{7EC2B5AB-C1AC-97F8-BB4E-05CF2A6D19D1}"/>
+              </a:ext>
+            </a:extLst>
+          </p:cNvPr>
+          <p:cNvSpPr/>
+          <p:nvPr/>
+        </p:nvSpPr>
+        <p:spPr>
+          <a:xfrm>
+            <a:off x="6591300" y="2034540"/>
+            <a:ext cx="1318260" cy="281940"/>
+          </a:xfrm>
+          <a:prstGeom prst="rect">
+            <a:avLst/>
+          </a:prstGeom>
+          <a:solidFill>
+            <a:srgbClr val="7CBEF9"/>
+          </a:solidFill>
+          <a:ln>
+            <a:noFill/>
+          </a:ln>
+        </p:spPr>
+        <p:style>
+          <a:lnRef idx="2">
+            <a:schemeClr val="accent1">
+              <a:shade val="50000"/>
+            </a:schemeClr>
+          </a:lnRef>
+          <a:fillRef idx="1">
+            <a:schemeClr val="accent1"/>
+          </a:fillRef>
+          <a:effectRef idx="0">
+            <a:schemeClr val="accent1"/>
+          </a:effectRef>
+          <a:fontRef idx="minor">
+            <a:schemeClr val="lt1"/>
+          </a:fontRef>
+        </p:style>
+        <p:txBody>
+          <a:bodyPr rtlCol="0" anchor="ctr"/>
+          <a:lstStyle/>
+          <a:p>
+            <a:pPr algn="ctr"/>
+            <a:r>
+              <a:rPr lang="ko-KR" altLang="en-US" dirty="0"/>
+              <a:t>퇴장하기</a:t>
+            </a:r>
+          </a:p>
+        </p:txBody>
+      </p:sp>
+      <p:sp>
+        <p:nvSpPr>
+          <p:cNvPr id="16" name="TextBox 15">
+            <a:extLst>
+              <a:ext uri="{FF2B5EF4-FFF2-40B4-BE49-F238E27FC236}">
+                <a16:creationId xmlns:a16="http://schemas.microsoft.com/office/drawing/2014/main" id="{B694757C-34AD-7D1E-5298-F192B3C91C8B}"/>
+              </a:ext>
+            </a:extLst>
+          </p:cNvPr>
+          <p:cNvSpPr txBox="1"/>
+          <p:nvPr/>
+        </p:nvSpPr>
+        <p:spPr>
+          <a:xfrm>
+            <a:off x="3779520" y="4398646"/>
+            <a:ext cx="3147060" cy="1323439"/>
+          </a:xfrm>
+          <a:prstGeom prst="rect">
+            <a:avLst/>
+          </a:prstGeom>
+          <a:noFill/>
+        </p:spPr>
+        <p:txBody>
+          <a:bodyPr wrap="square" rtlCol="0">
+            <a:spAutoFit/>
+          </a:bodyPr>
+          <a:lstStyle/>
+          <a:p>
+            <a:pPr algn="ctr"/>
+            <a:r>
+              <a:rPr lang="ko-KR" altLang="en-US" sz="3000" dirty="0"/>
+              <a:t>잔여 좌석 수</a:t>
+            </a:r>
+            <a:endParaRPr lang="en-US" altLang="ko-KR" sz="3000" dirty="0"/>
+          </a:p>
+          <a:p>
+            <a:pPr algn="ctr"/>
+            <a:r>
+              <a:rPr lang="en-US" altLang="ko-KR" sz="5000" dirty="0"/>
+              <a:t>20</a:t>
+            </a:r>
+            <a:endParaRPr lang="ko-KR" altLang="en-US" sz="5000" dirty="0"/>
+          </a:p>
+        </p:txBody>
+      </p:sp>
+      <p:sp>
+        <p:nvSpPr>
+          <p:cNvPr id="2" name="직사각형 1">
+            <a:extLst>
+              <a:ext uri="{FF2B5EF4-FFF2-40B4-BE49-F238E27FC236}">
+                <a16:creationId xmlns:a16="http://schemas.microsoft.com/office/drawing/2014/main" id="{A7F64998-67D2-FA54-3888-DADD5751CD53}"/>
+              </a:ext>
+            </a:extLst>
+          </p:cNvPr>
+          <p:cNvSpPr/>
+          <p:nvPr/>
+        </p:nvSpPr>
+        <p:spPr>
+          <a:xfrm>
+            <a:off x="4434840" y="2849880"/>
+            <a:ext cx="2049780" cy="716281"/>
+          </a:xfrm>
+          <a:prstGeom prst="rect">
+            <a:avLst/>
+          </a:prstGeom>
+          <a:solidFill>
+            <a:schemeClr val="bg1"/>
+          </a:solidFill>
+          <a:ln>
+            <a:noFill/>
+          </a:ln>
+        </p:spPr>
+        <p:style>
+          <a:lnRef idx="2">
+            <a:schemeClr val="accent1">
+              <a:shade val="50000"/>
+            </a:schemeClr>
+          </a:lnRef>
+          <a:fillRef idx="1">
+            <a:schemeClr val="accent1"/>
+          </a:fillRef>
+          <a:effectRef idx="0">
+            <a:schemeClr val="accent1"/>
+          </a:effectRef>
+          <a:fontRef idx="minor">
+            <a:schemeClr val="lt1"/>
+          </a:fontRef>
+        </p:style>
+        <p:txBody>
+          <a:bodyPr rtlCol="0" anchor="ctr"/>
+          <a:lstStyle/>
+          <a:p>
+            <a:pPr algn="ctr"/>
+            <a:r>
+              <a:rPr lang="ko-KR" altLang="en-US" dirty="0">
+                <a:solidFill>
+                  <a:schemeClr val="tx1"/>
+                </a:solidFill>
+              </a:rPr>
+              <a:t>잔여좌석이</a:t>
+            </a:r>
+            <a:endParaRPr lang="en-US" altLang="ko-KR" dirty="0">
+              <a:solidFill>
+                <a:schemeClr val="tx1"/>
+              </a:solidFill>
+            </a:endParaRPr>
+          </a:p>
+          <a:p>
+            <a:pPr algn="ctr"/>
+            <a:r>
+              <a:rPr lang="ko-KR" altLang="en-US" dirty="0">
+                <a:solidFill>
+                  <a:schemeClr val="tx1"/>
+                </a:solidFill>
+              </a:rPr>
+              <a:t>없습니다</a:t>
+            </a:r>
+          </a:p>
+        </p:txBody>
+      </p:sp>
+      <p:sp>
+        <p:nvSpPr>
+          <p:cNvPr id="3" name="TextBox 2">
+            <a:extLst>
+              <a:ext uri="{FF2B5EF4-FFF2-40B4-BE49-F238E27FC236}">
+                <a16:creationId xmlns:a16="http://schemas.microsoft.com/office/drawing/2014/main" id="{2DB18EB1-C7A2-2CC9-6165-3B7A96987AB9}"/>
+              </a:ext>
+            </a:extLst>
+          </p:cNvPr>
+          <p:cNvSpPr txBox="1"/>
+          <p:nvPr/>
+        </p:nvSpPr>
+        <p:spPr>
+          <a:xfrm>
+            <a:off x="320040" y="179665"/>
+            <a:ext cx="3892412" cy="1200329"/>
+          </a:xfrm>
+          <a:prstGeom prst="rect">
+            <a:avLst/>
+          </a:prstGeom>
+          <a:noFill/>
+        </p:spPr>
+        <p:txBody>
+          <a:bodyPr wrap="none" rtlCol="0">
+            <a:spAutoFit/>
+          </a:bodyPr>
+          <a:lstStyle/>
+          <a:p>
+            <a:r>
+              <a:rPr lang="ko-KR" altLang="en-US" dirty="0"/>
+              <a:t>입장하기를 </a:t>
+            </a:r>
+            <a:r>
+              <a:rPr lang="ko-KR" altLang="en-US" dirty="0" err="1"/>
+              <a:t>눌렀을때</a:t>
+            </a:r>
+            <a:endParaRPr lang="en-US" altLang="ko-KR" dirty="0"/>
+          </a:p>
+          <a:p>
+            <a:r>
+              <a:rPr lang="ko-KR" altLang="en-US" dirty="0"/>
+              <a:t>잔여좌석이 </a:t>
+            </a:r>
+            <a:r>
+              <a:rPr lang="ko-KR" altLang="en-US" dirty="0" err="1"/>
+              <a:t>없을경우</a:t>
+            </a:r>
+            <a:endParaRPr lang="en-US" altLang="ko-KR" dirty="0"/>
+          </a:p>
+          <a:p>
+            <a:r>
+              <a:rPr lang="ko-KR" altLang="en-US" dirty="0"/>
+              <a:t>잔여좌석이 없습니다 문구가 </a:t>
+            </a:r>
+            <a:r>
+              <a:rPr lang="ko-KR" altLang="en-US" dirty="0" err="1"/>
+              <a:t>나온후</a:t>
+            </a:r>
+            <a:endParaRPr lang="en-US" altLang="ko-KR" dirty="0"/>
+          </a:p>
+          <a:p>
+            <a:r>
+              <a:rPr lang="en-US" altLang="ko-KR" dirty="0"/>
+              <a:t>5</a:t>
+            </a:r>
+            <a:r>
+              <a:rPr lang="ko-KR" altLang="en-US" dirty="0" err="1"/>
+              <a:t>초뒤</a:t>
+            </a:r>
+            <a:r>
+              <a:rPr lang="ko-KR" altLang="en-US" dirty="0"/>
+              <a:t> 사라짐</a:t>
+            </a:r>
+          </a:p>
+        </p:txBody>
+      </p:sp>
+    </p:spTree>
+    <p:extLst>
+      <p:ext uri="{BB962C8B-B14F-4D97-AF65-F5344CB8AC3E}">
+        <p14:creationId xmlns:p14="http://schemas.microsoft.com/office/powerpoint/2010/main" val="2381845426"/>
       </p:ext>
     </p:extLst>
   </p:cSld>
